--- a/Reunião  10-02-22/Apresentação Laudo MMSP.pptx
+++ b/Reunião  10-02-22/Apresentação Laudo MMSP.pptx
@@ -5,7 +5,7 @@
     <p:sldMasterId id="2147483648" r:id="rId1"/>
   </p:sldMasterIdLst>
   <p:notesMasterIdLst>
-    <p:notesMasterId r:id="rId8"/>
+    <p:notesMasterId r:id="rId7"/>
   </p:notesMasterIdLst>
   <p:sldIdLst>
     <p:sldId id="256" r:id="rId2"/>
@@ -13,7 +13,6 @@
     <p:sldId id="259" r:id="rId4"/>
     <p:sldId id="260" r:id="rId5"/>
     <p:sldId id="258" r:id="rId6"/>
-    <p:sldId id="261" r:id="rId7"/>
   </p:sldIdLst>
   <p:sldSz cx="12192000" cy="6858000"/>
   <p:notesSz cx="6858000" cy="9144000"/>
@@ -120,16 +119,116 @@
 </p:presentation>
 </file>
 
-<file path=ppt/revisionInfo.xml><?xml version="1.0" encoding="utf-8"?>
-<p1510:revInfo xmlns:a="http://schemas.openxmlformats.org/drawingml/2006/main" xmlns:r="http://schemas.openxmlformats.org/officeDocument/2006/relationships" xmlns:p1510="http://schemas.microsoft.com/office/powerpoint/2015/10/main">
-  <p1510:revLst>
-    <p1510:client id="{6240CF39-120C-40EF-B192-CCE5A8A1023B}" v="67" dt="2022-02-08T01:27:40.240"/>
-  </p1510:revLst>
-</p1510:revInfo>
-</file>
-
 <file path=ppt/changesInfos/changesInfo1.xml><?xml version="1.0" encoding="utf-8"?>
 <pc:chgInfo xmlns:a="http://schemas.openxmlformats.org/drawingml/2006/main" xmlns:r="http://schemas.openxmlformats.org/officeDocument/2006/relationships" xmlns:ac="http://schemas.microsoft.com/office/drawing/2013/main/command" xmlns:pc="http://schemas.microsoft.com/office/powerpoint/2013/main/command">
+  <pc:docChgLst>
+    <pc:chgData name="Cesar Leonardo Valério" userId="3d004e56-081b-4c50-ad04-7d32b37ec791" providerId="ADAL" clId="{165E6429-A7C5-45CB-867E-6F775ACAFF17}"/>
+    <pc:docChg chg="undo custSel delSld modSld">
+      <pc:chgData name="Cesar Leonardo Valério" userId="3d004e56-081b-4c50-ad04-7d32b37ec791" providerId="ADAL" clId="{165E6429-A7C5-45CB-867E-6F775ACAFF17}" dt="2022-03-04T02:23:27.548" v="996" actId="20577"/>
+      <pc:docMkLst>
+        <pc:docMk/>
+      </pc:docMkLst>
+      <pc:sldChg chg="modSp mod">
+        <pc:chgData name="Cesar Leonardo Valério" userId="3d004e56-081b-4c50-ad04-7d32b37ec791" providerId="ADAL" clId="{165E6429-A7C5-45CB-867E-6F775ACAFF17}" dt="2022-03-04T01:32:49.969" v="29" actId="20577"/>
+        <pc:sldMkLst>
+          <pc:docMk/>
+          <pc:sldMk cId="751793141" sldId="257"/>
+        </pc:sldMkLst>
+        <pc:spChg chg="mod">
+          <ac:chgData name="Cesar Leonardo Valério" userId="3d004e56-081b-4c50-ad04-7d32b37ec791" providerId="ADAL" clId="{165E6429-A7C5-45CB-867E-6F775ACAFF17}" dt="2022-03-04T01:32:49.969" v="29" actId="20577"/>
+          <ac:spMkLst>
+            <pc:docMk/>
+            <pc:sldMk cId="751793141" sldId="257"/>
+            <ac:spMk id="4" creationId="{F270D601-BD82-4799-B6D8-BDB3467FF3B6}"/>
+          </ac:spMkLst>
+        </pc:spChg>
+      </pc:sldChg>
+      <pc:sldChg chg="modSp mod modShow">
+        <pc:chgData name="Cesar Leonardo Valério" userId="3d004e56-081b-4c50-ad04-7d32b37ec791" providerId="ADAL" clId="{165E6429-A7C5-45CB-867E-6F775ACAFF17}" dt="2022-03-04T02:23:27.548" v="996" actId="20577"/>
+        <pc:sldMkLst>
+          <pc:docMk/>
+          <pc:sldMk cId="1735219801" sldId="258"/>
+        </pc:sldMkLst>
+        <pc:spChg chg="mod">
+          <ac:chgData name="Cesar Leonardo Valério" userId="3d004e56-081b-4c50-ad04-7d32b37ec791" providerId="ADAL" clId="{165E6429-A7C5-45CB-867E-6F775ACAFF17}" dt="2022-03-04T02:17:09.918" v="891"/>
+          <ac:spMkLst>
+            <pc:docMk/>
+            <pc:sldMk cId="1735219801" sldId="258"/>
+            <ac:spMk id="17" creationId="{6A51D28B-64AF-4DB5-81EB-8350B06867BF}"/>
+          </ac:spMkLst>
+        </pc:spChg>
+        <pc:spChg chg="mod">
+          <ac:chgData name="Cesar Leonardo Valério" userId="3d004e56-081b-4c50-ad04-7d32b37ec791" providerId="ADAL" clId="{165E6429-A7C5-45CB-867E-6F775ACAFF17}" dt="2022-03-04T02:23:27.548" v="996" actId="20577"/>
+          <ac:spMkLst>
+            <pc:docMk/>
+            <pc:sldMk cId="1735219801" sldId="258"/>
+            <ac:spMk id="21" creationId="{E5840FED-3F3D-4DD4-B6C7-B6A764EC6369}"/>
+          </ac:spMkLst>
+        </pc:spChg>
+        <pc:spChg chg="mod">
+          <ac:chgData name="Cesar Leonardo Valério" userId="3d004e56-081b-4c50-ad04-7d32b37ec791" providerId="ADAL" clId="{165E6429-A7C5-45CB-867E-6F775ACAFF17}" dt="2022-03-04T02:20:23.934" v="964" actId="6549"/>
+          <ac:spMkLst>
+            <pc:docMk/>
+            <pc:sldMk cId="1735219801" sldId="258"/>
+            <ac:spMk id="25" creationId="{4A551D6E-ABDF-4D70-A7FA-91C10B61E484}"/>
+          </ac:spMkLst>
+        </pc:spChg>
+      </pc:sldChg>
+      <pc:sldChg chg="modSp mod modShow">
+        <pc:chgData name="Cesar Leonardo Valério" userId="3d004e56-081b-4c50-ad04-7d32b37ec791" providerId="ADAL" clId="{165E6429-A7C5-45CB-867E-6F775ACAFF17}" dt="2022-03-04T01:57:10.714" v="539" actId="20577"/>
+        <pc:sldMkLst>
+          <pc:docMk/>
+          <pc:sldMk cId="1410236882" sldId="259"/>
+        </pc:sldMkLst>
+        <pc:spChg chg="mod">
+          <ac:chgData name="Cesar Leonardo Valério" userId="3d004e56-081b-4c50-ad04-7d32b37ec791" providerId="ADAL" clId="{165E6429-A7C5-45CB-867E-6F775ACAFF17}" dt="2022-03-04T01:57:10.714" v="539" actId="20577"/>
+          <ac:spMkLst>
+            <pc:docMk/>
+            <pc:sldMk cId="1410236882" sldId="259"/>
+            <ac:spMk id="14" creationId="{BA98DDA2-1883-4CA8-8D0D-EE7829DA44B6}"/>
+          </ac:spMkLst>
+        </pc:spChg>
+        <pc:spChg chg="mod">
+          <ac:chgData name="Cesar Leonardo Valério" userId="3d004e56-081b-4c50-ad04-7d32b37ec791" providerId="ADAL" clId="{165E6429-A7C5-45CB-867E-6F775ACAFF17}" dt="2022-03-04T01:57:07.005" v="537" actId="20577"/>
+          <ac:spMkLst>
+            <pc:docMk/>
+            <pc:sldMk cId="1410236882" sldId="259"/>
+            <ac:spMk id="15" creationId="{78C3FE47-D294-4B50-B3A0-0B24E941A9A8}"/>
+          </ac:spMkLst>
+        </pc:spChg>
+      </pc:sldChg>
+      <pc:sldChg chg="modSp mod modShow">
+        <pc:chgData name="Cesar Leonardo Valério" userId="3d004e56-081b-4c50-ad04-7d32b37ec791" providerId="ADAL" clId="{165E6429-A7C5-45CB-867E-6F775ACAFF17}" dt="2022-03-04T02:15:29.283" v="889" actId="20577"/>
+        <pc:sldMkLst>
+          <pc:docMk/>
+          <pc:sldMk cId="2330368592" sldId="260"/>
+        </pc:sldMkLst>
+        <pc:spChg chg="mod">
+          <ac:chgData name="Cesar Leonardo Valério" userId="3d004e56-081b-4c50-ad04-7d32b37ec791" providerId="ADAL" clId="{165E6429-A7C5-45CB-867E-6F775ACAFF17}" dt="2022-03-04T02:03:07.098" v="885" actId="20577"/>
+          <ac:spMkLst>
+            <pc:docMk/>
+            <pc:sldMk cId="2330368592" sldId="260"/>
+            <ac:spMk id="15" creationId="{78C3FE47-D294-4B50-B3A0-0B24E941A9A8}"/>
+          </ac:spMkLst>
+        </pc:spChg>
+        <pc:spChg chg="mod">
+          <ac:chgData name="Cesar Leonardo Valério" userId="3d004e56-081b-4c50-ad04-7d32b37ec791" providerId="ADAL" clId="{165E6429-A7C5-45CB-867E-6F775ACAFF17}" dt="2022-03-04T02:15:29.283" v="889" actId="20577"/>
+          <ac:spMkLst>
+            <pc:docMk/>
+            <pc:sldMk cId="2330368592" sldId="260"/>
+            <ac:spMk id="18" creationId="{3E75907F-394B-486E-849D-6198F54571A8}"/>
+          </ac:spMkLst>
+        </pc:spChg>
+      </pc:sldChg>
+      <pc:sldChg chg="del">
+        <pc:chgData name="Cesar Leonardo Valério" userId="3d004e56-081b-4c50-ad04-7d32b37ec791" providerId="ADAL" clId="{165E6429-A7C5-45CB-867E-6F775ACAFF17}" dt="2022-03-04T02:20:31.967" v="965" actId="47"/>
+        <pc:sldMkLst>
+          <pc:docMk/>
+          <pc:sldMk cId="2596496189" sldId="261"/>
+        </pc:sldMkLst>
+      </pc:sldChg>
+    </pc:docChg>
+  </pc:docChgLst>
   <pc:docChgLst>
     <pc:chgData name="Cesar Leonardo Valério" userId="3d004e56-081b-4c50-ad04-7d32b37ec791" providerId="ADAL" clId="{6240CF39-120C-40EF-B192-CCE5A8A1023B}"/>
     <pc:docChg chg="undo custSel addSld delSld modSld sldOrd">
@@ -825,7 +924,7 @@
           <a:p>
             <a:fld id="{540F9317-570E-40E7-A5BF-9938F93D8A58}" type="datetimeFigureOut">
               <a:rPr lang="pt-BR" smtClean="0"/>
-              <a:t>07/02/2022</a:t>
+              <a:t>03/03/2022</a:t>
             </a:fld>
             <a:endParaRPr lang="pt-BR"/>
           </a:p>
@@ -1239,7 +1338,7 @@
           <a:p>
             <a:fld id="{0D81E6F8-D532-4EF5-BB9C-8608CE0931E2}" type="datetimeFigureOut">
               <a:rPr lang="pt-BR" smtClean="0"/>
-              <a:t>07/02/2022</a:t>
+              <a:t>03/03/2022</a:t>
             </a:fld>
             <a:endParaRPr lang="pt-BR"/>
           </a:p>
@@ -1437,7 +1536,7 @@
           <a:p>
             <a:fld id="{0D81E6F8-D532-4EF5-BB9C-8608CE0931E2}" type="datetimeFigureOut">
               <a:rPr lang="pt-BR" smtClean="0"/>
-              <a:t>07/02/2022</a:t>
+              <a:t>03/03/2022</a:t>
             </a:fld>
             <a:endParaRPr lang="pt-BR"/>
           </a:p>
@@ -1645,7 +1744,7 @@
           <a:p>
             <a:fld id="{0D81E6F8-D532-4EF5-BB9C-8608CE0931E2}" type="datetimeFigureOut">
               <a:rPr lang="pt-BR" smtClean="0"/>
-              <a:t>07/02/2022</a:t>
+              <a:t>03/03/2022</a:t>
             </a:fld>
             <a:endParaRPr lang="pt-BR"/>
           </a:p>
@@ -1843,7 +1942,7 @@
           <a:p>
             <a:fld id="{0D81E6F8-D532-4EF5-BB9C-8608CE0931E2}" type="datetimeFigureOut">
               <a:rPr lang="pt-BR" smtClean="0"/>
-              <a:t>07/02/2022</a:t>
+              <a:t>03/03/2022</a:t>
             </a:fld>
             <a:endParaRPr lang="pt-BR"/>
           </a:p>
@@ -2118,7 +2217,7 @@
           <a:p>
             <a:fld id="{0D81E6F8-D532-4EF5-BB9C-8608CE0931E2}" type="datetimeFigureOut">
               <a:rPr lang="pt-BR" smtClean="0"/>
-              <a:t>07/02/2022</a:t>
+              <a:t>03/03/2022</a:t>
             </a:fld>
             <a:endParaRPr lang="pt-BR"/>
           </a:p>
@@ -2383,7 +2482,7 @@
           <a:p>
             <a:fld id="{0D81E6F8-D532-4EF5-BB9C-8608CE0931E2}" type="datetimeFigureOut">
               <a:rPr lang="pt-BR" smtClean="0"/>
-              <a:t>07/02/2022</a:t>
+              <a:t>03/03/2022</a:t>
             </a:fld>
             <a:endParaRPr lang="pt-BR"/>
           </a:p>
@@ -2795,7 +2894,7 @@
           <a:p>
             <a:fld id="{0D81E6F8-D532-4EF5-BB9C-8608CE0931E2}" type="datetimeFigureOut">
               <a:rPr lang="pt-BR" smtClean="0"/>
-              <a:t>07/02/2022</a:t>
+              <a:t>03/03/2022</a:t>
             </a:fld>
             <a:endParaRPr lang="pt-BR"/>
           </a:p>
@@ -2936,7 +3035,7 @@
           <a:p>
             <a:fld id="{0D81E6F8-D532-4EF5-BB9C-8608CE0931E2}" type="datetimeFigureOut">
               <a:rPr lang="pt-BR" smtClean="0"/>
-              <a:t>07/02/2022</a:t>
+              <a:t>03/03/2022</a:t>
             </a:fld>
             <a:endParaRPr lang="pt-BR"/>
           </a:p>
@@ -3049,7 +3148,7 @@
           <a:p>
             <a:fld id="{0D81E6F8-D532-4EF5-BB9C-8608CE0931E2}" type="datetimeFigureOut">
               <a:rPr lang="pt-BR" smtClean="0"/>
-              <a:t>07/02/2022</a:t>
+              <a:t>03/03/2022</a:t>
             </a:fld>
             <a:endParaRPr lang="pt-BR"/>
           </a:p>
@@ -3360,7 +3459,7 @@
           <a:p>
             <a:fld id="{0D81E6F8-D532-4EF5-BB9C-8608CE0931E2}" type="datetimeFigureOut">
               <a:rPr lang="pt-BR" smtClean="0"/>
-              <a:t>07/02/2022</a:t>
+              <a:t>03/03/2022</a:t>
             </a:fld>
             <a:endParaRPr lang="pt-BR"/>
           </a:p>
@@ -3648,7 +3747,7 @@
           <a:p>
             <a:fld id="{0D81E6F8-D532-4EF5-BB9C-8608CE0931E2}" type="datetimeFigureOut">
               <a:rPr lang="pt-BR" smtClean="0"/>
-              <a:t>07/02/2022</a:t>
+              <a:t>03/03/2022</a:t>
             </a:fld>
             <a:endParaRPr lang="pt-BR"/>
           </a:p>
@@ -3889,7 +3988,7 @@
           <a:p>
             <a:fld id="{0D81E6F8-D532-4EF5-BB9C-8608CE0931E2}" type="datetimeFigureOut">
               <a:rPr lang="pt-BR" smtClean="0"/>
-              <a:t>07/02/2022</a:t>
+              <a:t>03/03/2022</a:t>
             </a:fld>
             <a:endParaRPr lang="pt-BR"/>
           </a:p>
@@ -4650,7 +4749,7 @@
           <a:p>
             <a:r>
               <a:rPr lang="pt-BR" sz="2800" dirty="0"/>
-              <a:t>Processo Proposto</a:t>
+              <a:t>Processo em estudo</a:t>
             </a:r>
           </a:p>
         </p:txBody>
@@ -4933,7 +5032,7 @@
 </file>
 
 <file path=ppt/slides/slide3.xml><?xml version="1.0" encoding="utf-8"?>
-<p:sld xmlns:a="http://schemas.openxmlformats.org/drawingml/2006/main" xmlns:r="http://schemas.openxmlformats.org/officeDocument/2006/relationships" xmlns:p="http://schemas.openxmlformats.org/presentationml/2006/main" show="0">
+<p:sld xmlns:a="http://schemas.openxmlformats.org/drawingml/2006/main" xmlns:r="http://schemas.openxmlformats.org/officeDocument/2006/relationships" xmlns:p="http://schemas.openxmlformats.org/presentationml/2006/main">
   <p:cSld>
     <p:spTree>
       <p:nvGrpSpPr>
@@ -5216,7 +5315,7 @@
         <p:spPr>
           <a:xfrm>
             <a:off x="1295399" y="2131292"/>
-            <a:ext cx="4259179" cy="3826560"/>
+            <a:ext cx="4259179" cy="2757871"/>
           </a:xfrm>
           <a:prstGeom prst="rect">
             <a:avLst/>
@@ -5246,7 +5345,97 @@
                 <a:ea typeface="Calibri" panose="020F0502020204030204" pitchFamily="34" charset="0"/>
                 <a:cs typeface="Times New Roman" panose="02020603050405020304" pitchFamily="18" charset="0"/>
               </a:rPr>
-              <a:t>Word mantém os arquivos importados nele (container);</a:t>
+              <a:t>Visualização em tempo real (</a:t>
+            </a:r>
+            <a:r>
+              <a:rPr lang="pt-BR" sz="1800" dirty="0" err="1">
+                <a:effectLst/>
+                <a:latin typeface="Calibri" panose="020F0502020204030204" pitchFamily="34" charset="0"/>
+                <a:ea typeface="Calibri" panose="020F0502020204030204" pitchFamily="34" charset="0"/>
+                <a:cs typeface="Times New Roman" panose="02020603050405020304" pitchFamily="18" charset="0"/>
+              </a:rPr>
+              <a:t>You</a:t>
+            </a:r>
+            <a:r>
+              <a:rPr lang="pt-BR" sz="1800" dirty="0">
+                <a:effectLst/>
+                <a:latin typeface="Calibri" panose="020F0502020204030204" pitchFamily="34" charset="0"/>
+                <a:ea typeface="Calibri" panose="020F0502020204030204" pitchFamily="34" charset="0"/>
+                <a:cs typeface="Times New Roman" panose="02020603050405020304" pitchFamily="18" charset="0"/>
+              </a:rPr>
+              <a:t> </a:t>
+            </a:r>
+            <a:r>
+              <a:rPr lang="pt-BR" sz="1800" dirty="0" err="1">
+                <a:effectLst/>
+                <a:latin typeface="Calibri" panose="020F0502020204030204" pitchFamily="34" charset="0"/>
+                <a:ea typeface="Calibri" panose="020F0502020204030204" pitchFamily="34" charset="0"/>
+                <a:cs typeface="Times New Roman" panose="02020603050405020304" pitchFamily="18" charset="0"/>
+              </a:rPr>
+              <a:t>see</a:t>
+            </a:r>
+            <a:r>
+              <a:rPr lang="pt-BR" sz="1800" dirty="0">
+                <a:effectLst/>
+                <a:latin typeface="Calibri" panose="020F0502020204030204" pitchFamily="34" charset="0"/>
+                <a:ea typeface="Calibri" panose="020F0502020204030204" pitchFamily="34" charset="0"/>
+                <a:cs typeface="Times New Roman" panose="02020603050405020304" pitchFamily="18" charset="0"/>
+              </a:rPr>
+              <a:t> </a:t>
+            </a:r>
+            <a:r>
+              <a:rPr lang="pt-BR" sz="1800" dirty="0" err="1">
+                <a:effectLst/>
+                <a:latin typeface="Calibri" panose="020F0502020204030204" pitchFamily="34" charset="0"/>
+                <a:ea typeface="Calibri" panose="020F0502020204030204" pitchFamily="34" charset="0"/>
+                <a:cs typeface="Times New Roman" panose="02020603050405020304" pitchFamily="18" charset="0"/>
+              </a:rPr>
+              <a:t>what</a:t>
+            </a:r>
+            <a:r>
+              <a:rPr lang="pt-BR" sz="1800" dirty="0">
+                <a:effectLst/>
+                <a:latin typeface="Calibri" panose="020F0502020204030204" pitchFamily="34" charset="0"/>
+                <a:ea typeface="Calibri" panose="020F0502020204030204" pitchFamily="34" charset="0"/>
+                <a:cs typeface="Times New Roman" panose="02020603050405020304" pitchFamily="18" charset="0"/>
+              </a:rPr>
+              <a:t> </a:t>
+            </a:r>
+            <a:r>
+              <a:rPr lang="pt-BR" sz="1800" dirty="0" err="1">
+                <a:effectLst/>
+                <a:latin typeface="Calibri" panose="020F0502020204030204" pitchFamily="34" charset="0"/>
+                <a:ea typeface="Calibri" panose="020F0502020204030204" pitchFamily="34" charset="0"/>
+                <a:cs typeface="Times New Roman" panose="02020603050405020304" pitchFamily="18" charset="0"/>
+              </a:rPr>
+              <a:t>you</a:t>
+            </a:r>
+            <a:r>
+              <a:rPr lang="pt-BR" sz="1800" dirty="0">
+                <a:effectLst/>
+                <a:latin typeface="Calibri" panose="020F0502020204030204" pitchFamily="34" charset="0"/>
+                <a:ea typeface="Calibri" panose="020F0502020204030204" pitchFamily="34" charset="0"/>
+                <a:cs typeface="Times New Roman" panose="02020603050405020304" pitchFamily="18" charset="0"/>
+              </a:rPr>
+              <a:t> </a:t>
+            </a:r>
+            <a:r>
+              <a:rPr lang="pt-BR" sz="1800" dirty="0" err="1">
+                <a:effectLst/>
+                <a:latin typeface="Calibri" panose="020F0502020204030204" pitchFamily="34" charset="0"/>
+                <a:ea typeface="Calibri" panose="020F0502020204030204" pitchFamily="34" charset="0"/>
+                <a:cs typeface="Times New Roman" panose="02020603050405020304" pitchFamily="18" charset="0"/>
+              </a:rPr>
+              <a:t>get</a:t>
+            </a:r>
+            <a:r>
+              <a:rPr lang="pt-BR" sz="1800" dirty="0">
+                <a:effectLst/>
+                <a:latin typeface="Calibri" panose="020F0502020204030204" pitchFamily="34" charset="0"/>
+                <a:ea typeface="Calibri" panose="020F0502020204030204" pitchFamily="34" charset="0"/>
+                <a:cs typeface="Times New Roman" panose="02020603050405020304" pitchFamily="18" charset="0"/>
+              </a:rPr>
+              <a:t>)</a:t>
             </a:r>
           </a:p>
           <a:p>
@@ -5267,97 +5456,7 @@
                 <a:ea typeface="Calibri" panose="020F0502020204030204" pitchFamily="34" charset="0"/>
                 <a:cs typeface="Times New Roman" panose="02020603050405020304" pitchFamily="18" charset="0"/>
               </a:rPr>
-              <a:t>Visualização em tempo real (</a:t>
-            </a:r>
-            <a:r>
-              <a:rPr lang="pt-BR" sz="1800" dirty="0" err="1">
-                <a:effectLst/>
-                <a:latin typeface="Calibri" panose="020F0502020204030204" pitchFamily="34" charset="0"/>
-                <a:ea typeface="Calibri" panose="020F0502020204030204" pitchFamily="34" charset="0"/>
-                <a:cs typeface="Times New Roman" panose="02020603050405020304" pitchFamily="18" charset="0"/>
-              </a:rPr>
-              <a:t>You</a:t>
-            </a:r>
-            <a:r>
-              <a:rPr lang="pt-BR" sz="1800" dirty="0">
-                <a:effectLst/>
-                <a:latin typeface="Calibri" panose="020F0502020204030204" pitchFamily="34" charset="0"/>
-                <a:ea typeface="Calibri" panose="020F0502020204030204" pitchFamily="34" charset="0"/>
-                <a:cs typeface="Times New Roman" panose="02020603050405020304" pitchFamily="18" charset="0"/>
-              </a:rPr>
-              <a:t> </a:t>
-            </a:r>
-            <a:r>
-              <a:rPr lang="pt-BR" sz="1800" dirty="0" err="1">
-                <a:effectLst/>
-                <a:latin typeface="Calibri" panose="020F0502020204030204" pitchFamily="34" charset="0"/>
-                <a:ea typeface="Calibri" panose="020F0502020204030204" pitchFamily="34" charset="0"/>
-                <a:cs typeface="Times New Roman" panose="02020603050405020304" pitchFamily="18" charset="0"/>
-              </a:rPr>
-              <a:t>see</a:t>
-            </a:r>
-            <a:r>
-              <a:rPr lang="pt-BR" sz="1800" dirty="0">
-                <a:effectLst/>
-                <a:latin typeface="Calibri" panose="020F0502020204030204" pitchFamily="34" charset="0"/>
-                <a:ea typeface="Calibri" panose="020F0502020204030204" pitchFamily="34" charset="0"/>
-                <a:cs typeface="Times New Roman" panose="02020603050405020304" pitchFamily="18" charset="0"/>
-              </a:rPr>
-              <a:t> </a:t>
-            </a:r>
-            <a:r>
-              <a:rPr lang="pt-BR" sz="1800" dirty="0" err="1">
-                <a:effectLst/>
-                <a:latin typeface="Calibri" panose="020F0502020204030204" pitchFamily="34" charset="0"/>
-                <a:ea typeface="Calibri" panose="020F0502020204030204" pitchFamily="34" charset="0"/>
-                <a:cs typeface="Times New Roman" panose="02020603050405020304" pitchFamily="18" charset="0"/>
-              </a:rPr>
-              <a:t>what</a:t>
-            </a:r>
-            <a:r>
-              <a:rPr lang="pt-BR" sz="1800" dirty="0">
-                <a:effectLst/>
-                <a:latin typeface="Calibri" panose="020F0502020204030204" pitchFamily="34" charset="0"/>
-                <a:ea typeface="Calibri" panose="020F0502020204030204" pitchFamily="34" charset="0"/>
-                <a:cs typeface="Times New Roman" panose="02020603050405020304" pitchFamily="18" charset="0"/>
-              </a:rPr>
-              <a:t> </a:t>
-            </a:r>
-            <a:r>
-              <a:rPr lang="pt-BR" sz="1800" dirty="0" err="1">
-                <a:effectLst/>
-                <a:latin typeface="Calibri" panose="020F0502020204030204" pitchFamily="34" charset="0"/>
-                <a:ea typeface="Calibri" panose="020F0502020204030204" pitchFamily="34" charset="0"/>
-                <a:cs typeface="Times New Roman" panose="02020603050405020304" pitchFamily="18" charset="0"/>
-              </a:rPr>
-              <a:t>you</a:t>
-            </a:r>
-            <a:r>
-              <a:rPr lang="pt-BR" sz="1800" dirty="0">
-                <a:effectLst/>
-                <a:latin typeface="Calibri" panose="020F0502020204030204" pitchFamily="34" charset="0"/>
-                <a:ea typeface="Calibri" panose="020F0502020204030204" pitchFamily="34" charset="0"/>
-                <a:cs typeface="Times New Roman" panose="02020603050405020304" pitchFamily="18" charset="0"/>
-              </a:rPr>
-              <a:t> </a:t>
-            </a:r>
-            <a:r>
-              <a:rPr lang="pt-BR" sz="1800" dirty="0" err="1">
-                <a:effectLst/>
-                <a:latin typeface="Calibri" panose="020F0502020204030204" pitchFamily="34" charset="0"/>
-                <a:ea typeface="Calibri" panose="020F0502020204030204" pitchFamily="34" charset="0"/>
-                <a:cs typeface="Times New Roman" panose="02020603050405020304" pitchFamily="18" charset="0"/>
-              </a:rPr>
-              <a:t>get</a:t>
-            </a:r>
-            <a:r>
-              <a:rPr lang="pt-BR" sz="1800" dirty="0">
-                <a:effectLst/>
-                <a:latin typeface="Calibri" panose="020F0502020204030204" pitchFamily="34" charset="0"/>
-                <a:ea typeface="Calibri" panose="020F0502020204030204" pitchFamily="34" charset="0"/>
-                <a:cs typeface="Times New Roman" panose="02020603050405020304" pitchFamily="18" charset="0"/>
-              </a:rPr>
-              <a:t>)</a:t>
+              <a:t>Usuários já dominam o uso do programa;</a:t>
             </a:r>
           </a:p>
           <a:p>
@@ -5378,7 +5477,24 @@
                 <a:ea typeface="Calibri" panose="020F0502020204030204" pitchFamily="34" charset="0"/>
                 <a:cs typeface="Times New Roman" panose="02020603050405020304" pitchFamily="18" charset="0"/>
               </a:rPr>
-              <a:t>Interface simples com o usuário </a:t>
+              <a:t>Word armazena todos os arquivos inseridos dentro de um único </a:t>
+            </a:r>
+            <a:r>
+              <a:rPr lang="pt-BR" dirty="0">
+                <a:latin typeface="Calibri" panose="020F0502020204030204" pitchFamily="34" charset="0"/>
+                <a:ea typeface="Calibri" panose="020F0502020204030204" pitchFamily="34" charset="0"/>
+                <a:cs typeface="Times New Roman" panose="02020603050405020304" pitchFamily="18" charset="0"/>
+              </a:rPr>
+              <a:t>arquivo </a:t>
+            </a:r>
+            <a:r>
+              <a:rPr lang="pt-BR" sz="1800" dirty="0">
+                <a:effectLst/>
+                <a:latin typeface="Calibri" panose="020F0502020204030204" pitchFamily="34" charset="0"/>
+                <a:ea typeface="Calibri" panose="020F0502020204030204" pitchFamily="34" charset="0"/>
+                <a:cs typeface="Times New Roman" panose="02020603050405020304" pitchFamily="18" charset="0"/>
+              </a:rPr>
+              <a:t>(container);</a:t>
             </a:r>
           </a:p>
           <a:p>
@@ -5399,9 +5515,39 @@
                 <a:ea typeface="Calibri" panose="020F0502020204030204" pitchFamily="34" charset="0"/>
                 <a:cs typeface="Times New Roman" panose="02020603050405020304" pitchFamily="18" charset="0"/>
               </a:rPr>
-              <a:t>Integração facilitada com outros programas (inserção de dados, imagens, tabelas, etc.)</a:t>
-            </a:r>
-          </a:p>
+              <a:t>Fácil Inserção de imagens e tabelas.</a:t>
+            </a:r>
+            <a:endParaRPr lang="en-US" dirty="0"/>
+          </a:p>
+        </p:txBody>
+      </p:sp>
+      <p:sp>
+        <p:nvSpPr>
+          <p:cNvPr id="15" name="CaixaDeTexto 14">
+            <a:extLst>
+              <a:ext uri="{FF2B5EF4-FFF2-40B4-BE49-F238E27FC236}">
+                <a16:creationId xmlns:a16="http://schemas.microsoft.com/office/drawing/2014/main" id="{78C3FE47-D294-4B50-B3A0-0B24E941A9A8}"/>
+              </a:ext>
+            </a:extLst>
+          </p:cNvPr>
+          <p:cNvSpPr txBox="1"/>
+          <p:nvPr/>
+        </p:nvSpPr>
+        <p:spPr>
+          <a:xfrm>
+            <a:off x="6098101" y="2130253"/>
+            <a:ext cx="4259178" cy="3259418"/>
+          </a:xfrm>
+          <a:prstGeom prst="rect">
+            <a:avLst/>
+          </a:prstGeom>
+          <a:noFill/>
+        </p:spPr>
+        <p:txBody>
+          <a:bodyPr wrap="square">
+            <a:spAutoFit/>
+          </a:bodyPr>
+          <a:lstStyle/>
           <a:p>
             <a:pPr marL="342900" indent="-342900">
               <a:lnSpc>
@@ -5420,52 +5566,9 @@
                 <a:ea typeface="Calibri" panose="020F0502020204030204" pitchFamily="34" charset="0"/>
                 <a:cs typeface="Times New Roman" panose="02020603050405020304" pitchFamily="18" charset="0"/>
               </a:rPr>
-              <a:t>Erros são fáceis de interpretar</a:t>
-            </a:r>
-          </a:p>
-          <a:p>
-            <a:pPr marL="342900" indent="-342900">
-              <a:buFont typeface="+mj-lt"/>
-              <a:buAutoNum type="arabicPeriod"/>
-            </a:pPr>
-            <a:endParaRPr lang="en-US" dirty="0"/>
-          </a:p>
-          <a:p>
-            <a:pPr marL="342900" indent="-342900">
-              <a:buFont typeface="+mj-lt"/>
-              <a:buAutoNum type="arabicPeriod"/>
-            </a:pPr>
-            <a:endParaRPr lang="en-US" dirty="0"/>
-          </a:p>
-        </p:txBody>
-      </p:sp>
-      <p:sp>
-        <p:nvSpPr>
-          <p:cNvPr id="15" name="CaixaDeTexto 14">
-            <a:extLst>
-              <a:ext uri="{FF2B5EF4-FFF2-40B4-BE49-F238E27FC236}">
-                <a16:creationId xmlns:a16="http://schemas.microsoft.com/office/drawing/2014/main" id="{78C3FE47-D294-4B50-B3A0-0B24E941A9A8}"/>
-              </a:ext>
-            </a:extLst>
-          </p:cNvPr>
-          <p:cNvSpPr txBox="1"/>
-          <p:nvPr/>
-        </p:nvSpPr>
-        <p:spPr>
-          <a:xfrm>
-            <a:off x="6098101" y="2130253"/>
-            <a:ext cx="4259178" cy="2261517"/>
-          </a:xfrm>
-          <a:prstGeom prst="rect">
-            <a:avLst/>
-          </a:prstGeom>
-          <a:noFill/>
-        </p:spPr>
-        <p:txBody>
-          <a:bodyPr wrap="square">
-            <a:spAutoFit/>
-          </a:bodyPr>
-          <a:lstStyle/>
+              <a:t>Diagramação de imagens;</a:t>
+            </a:r>
+          </a:p>
           <a:p>
             <a:pPr marL="342900" indent="-342900">
               <a:lnSpc>
@@ -5484,7 +5587,7 @@
                 <a:ea typeface="Calibri" panose="020F0502020204030204" pitchFamily="34" charset="0"/>
                 <a:cs typeface="Times New Roman" panose="02020603050405020304" pitchFamily="18" charset="0"/>
               </a:rPr>
-              <a:t>Diagramação de imagens</a:t>
+              <a:t>Diagramação de tabelas;</a:t>
             </a:r>
           </a:p>
           <a:p>
@@ -5505,7 +5608,7 @@
                 <a:ea typeface="Calibri" panose="020F0502020204030204" pitchFamily="34" charset="0"/>
                 <a:cs typeface="Times New Roman" panose="02020603050405020304" pitchFamily="18" charset="0"/>
               </a:rPr>
-              <a:t>Diagramação de tabelas</a:t>
+              <a:t>Arquivos pesados para serem trabalhados (Container);</a:t>
             </a:r>
           </a:p>
           <a:p>
@@ -5526,7 +5629,24 @@
                 <a:ea typeface="Calibri" panose="020F0502020204030204" pitchFamily="34" charset="0"/>
                 <a:cs typeface="Times New Roman" panose="02020603050405020304" pitchFamily="18" charset="0"/>
               </a:rPr>
-              <a:t>Arquivos pesados para serem trabalhados (Container)</a:t>
+              <a:t>Dificuldade em criar variávei</a:t>
+            </a:r>
+            <a:r>
+              <a:rPr lang="pt-BR" dirty="0">
+                <a:latin typeface="Calibri" panose="020F0502020204030204" pitchFamily="34" charset="0"/>
+                <a:ea typeface="Calibri" panose="020F0502020204030204" pitchFamily="34" charset="0"/>
+                <a:cs typeface="Times New Roman" panose="02020603050405020304" pitchFamily="18" charset="0"/>
+              </a:rPr>
+              <a:t>s, fórmulas e equações</a:t>
+            </a:r>
+            <a:r>
+              <a:rPr lang="pt-BR" sz="1800" dirty="0">
+                <a:effectLst/>
+                <a:latin typeface="Calibri" panose="020F0502020204030204" pitchFamily="34" charset="0"/>
+                <a:ea typeface="Calibri" panose="020F0502020204030204" pitchFamily="34" charset="0"/>
+                <a:cs typeface="Times New Roman" panose="02020603050405020304" pitchFamily="18" charset="0"/>
+              </a:rPr>
+              <a:t>;</a:t>
             </a:r>
           </a:p>
           <a:p>
@@ -5541,21 +5661,34 @@
               <a:buAutoNum type="arabicPeriod"/>
             </a:pPr>
             <a:r>
+              <a:rPr lang="pt-BR" dirty="0">
+                <a:latin typeface="Calibri" panose="020F0502020204030204" pitchFamily="34" charset="0"/>
+                <a:ea typeface="Calibri" panose="020F0502020204030204" pitchFamily="34" charset="0"/>
+                <a:cs typeface="Times New Roman" panose="02020603050405020304" pitchFamily="18" charset="0"/>
+              </a:rPr>
+              <a:t>Incompatibilidade com arquivos de versões diferentes;</a:t>
+            </a:r>
+          </a:p>
+          <a:p>
+            <a:pPr marL="342900" indent="-342900">
+              <a:lnSpc>
+                <a:spcPct val="107000"/>
+              </a:lnSpc>
+              <a:spcAft>
+                <a:spcPts val="800"/>
+              </a:spcAft>
+              <a:buFont typeface="+mj-lt"/>
+              <a:buAutoNum type="arabicPeriod"/>
+            </a:pPr>
+            <a:r>
               <a:rPr lang="pt-BR" sz="1800" dirty="0">
                 <a:effectLst/>
                 <a:latin typeface="Calibri" panose="020F0502020204030204" pitchFamily="34" charset="0"/>
                 <a:ea typeface="Calibri" panose="020F0502020204030204" pitchFamily="34" charset="0"/>
                 <a:cs typeface="Times New Roman" panose="02020603050405020304" pitchFamily="18" charset="0"/>
               </a:rPr>
-              <a:t>Dificuldade em criar variáveis</a:t>
-            </a:r>
-          </a:p>
-          <a:p>
-            <a:pPr marL="342900" indent="-342900">
-              <a:buFont typeface="+mj-lt"/>
-              <a:buAutoNum type="arabicPeriod"/>
-            </a:pPr>
-            <a:endParaRPr lang="en-US" dirty="0"/>
+              <a:t>Software proprietário(Pago).</a:t>
+            </a:r>
           </a:p>
         </p:txBody>
       </p:sp>
@@ -5651,7 +5784,7 @@
 </file>
 
 <file path=ppt/slides/slide4.xml><?xml version="1.0" encoding="utf-8"?>
-<p:sld xmlns:a="http://schemas.openxmlformats.org/drawingml/2006/main" xmlns:r="http://schemas.openxmlformats.org/officeDocument/2006/relationships" xmlns:p="http://schemas.openxmlformats.org/presentationml/2006/main" show="0">
+<p:sld xmlns:a="http://schemas.openxmlformats.org/drawingml/2006/main" xmlns:r="http://schemas.openxmlformats.org/officeDocument/2006/relationships" xmlns:p="http://schemas.openxmlformats.org/presentationml/2006/main">
   <p:cSld>
     <p:spTree>
       <p:nvGrpSpPr>
@@ -5977,7 +6110,7 @@
         <p:spPr>
           <a:xfrm>
             <a:off x="6098101" y="2130253"/>
-            <a:ext cx="4259178" cy="1463606"/>
+            <a:ext cx="4259178" cy="2963055"/>
           </a:xfrm>
           <a:prstGeom prst="rect">
             <a:avLst/>
@@ -6007,7 +6140,7 @@
                 <a:ea typeface="Calibri" panose="020F0502020204030204" pitchFamily="34" charset="0"/>
                 <a:cs typeface="Times New Roman" panose="02020603050405020304" pitchFamily="18" charset="0"/>
               </a:rPr>
-              <a:t>Erros são difíceis de interpretar</a:t>
+              <a:t>Visualização mediante compilação</a:t>
             </a:r>
           </a:p>
           <a:p>
@@ -6033,10 +6166,83 @@
           </a:p>
           <a:p>
             <a:pPr marL="342900" indent="-342900">
+              <a:lnSpc>
+                <a:spcPct val="107000"/>
+              </a:lnSpc>
+              <a:spcAft>
+                <a:spcPts val="800"/>
+              </a:spcAft>
               <a:buFont typeface="+mj-lt"/>
               <a:buAutoNum type="arabicPeriod"/>
             </a:pPr>
-            <a:endParaRPr lang="en-US" dirty="0"/>
+            <a:r>
+              <a:rPr lang="pt-BR" sz="1800" dirty="0">
+                <a:effectLst/>
+                <a:latin typeface="Calibri" panose="020F0502020204030204" pitchFamily="34" charset="0"/>
+                <a:ea typeface="Calibri" panose="020F0502020204030204" pitchFamily="34" charset="0"/>
+                <a:cs typeface="Times New Roman" panose="02020603050405020304" pitchFamily="18" charset="0"/>
+              </a:rPr>
+              <a:t>Erros são difíceis de interpretar;</a:t>
+            </a:r>
+          </a:p>
+          <a:p>
+            <a:pPr marL="342900" indent="-342900">
+              <a:lnSpc>
+                <a:spcPct val="107000"/>
+              </a:lnSpc>
+              <a:spcAft>
+                <a:spcPts val="800"/>
+              </a:spcAft>
+              <a:buFont typeface="+mj-lt"/>
+              <a:buAutoNum type="arabicPeriod"/>
+            </a:pPr>
+            <a:r>
+              <a:rPr lang="pt-BR" sz="1800" dirty="0">
+                <a:effectLst/>
+                <a:latin typeface="Calibri" panose="020F0502020204030204" pitchFamily="34" charset="0"/>
+                <a:ea typeface="Calibri" panose="020F0502020204030204" pitchFamily="34" charset="0"/>
+                <a:cs typeface="Times New Roman" panose="02020603050405020304" pitchFamily="18" charset="0"/>
+              </a:rPr>
+              <a:t>Requer aprendizado na ferramenta</a:t>
+            </a:r>
+          </a:p>
+          <a:p>
+            <a:pPr marL="342900" indent="-342900">
+              <a:lnSpc>
+                <a:spcPct val="107000"/>
+              </a:lnSpc>
+              <a:spcAft>
+                <a:spcPts val="800"/>
+              </a:spcAft>
+              <a:buFont typeface="+mj-lt"/>
+              <a:buAutoNum type="arabicPeriod"/>
+            </a:pPr>
+            <a:r>
+              <a:rPr lang="pt-BR" dirty="0">
+                <a:latin typeface="Calibri" panose="020F0502020204030204" pitchFamily="34" charset="0"/>
+                <a:ea typeface="Calibri" panose="020F0502020204030204" pitchFamily="34" charset="0"/>
+                <a:cs typeface="Times New Roman" panose="02020603050405020304" pitchFamily="18" charset="0"/>
+              </a:rPr>
+              <a:t>Interface não foi desenvolvida para usuários “básicos”</a:t>
+            </a:r>
+          </a:p>
+          <a:p>
+            <a:pPr marL="342900" indent="-342900">
+              <a:lnSpc>
+                <a:spcPct val="107000"/>
+              </a:lnSpc>
+              <a:spcAft>
+                <a:spcPts val="800"/>
+              </a:spcAft>
+              <a:buFont typeface="+mj-lt"/>
+              <a:buAutoNum type="arabicPeriod"/>
+            </a:pPr>
+            <a:endParaRPr lang="pt-BR" sz="1800" dirty="0">
+              <a:effectLst/>
+              <a:latin typeface="Calibri" panose="020F0502020204030204" pitchFamily="34" charset="0"/>
+              <a:ea typeface="Calibri" panose="020F0502020204030204" pitchFamily="34" charset="0"/>
+              <a:cs typeface="Times New Roman" panose="02020603050405020304" pitchFamily="18" charset="0"/>
+            </a:endParaRPr>
           </a:p>
         </p:txBody>
       </p:sp>
@@ -6138,7 +6344,7 @@
         <p:spPr>
           <a:xfrm>
             <a:off x="1301311" y="2130253"/>
-            <a:ext cx="4259178" cy="3458383"/>
+            <a:ext cx="4259178" cy="2963055"/>
           </a:xfrm>
           <a:prstGeom prst="rect">
             <a:avLst/>
@@ -6168,7 +6374,7 @@
                 <a:ea typeface="Calibri" panose="020F0502020204030204" pitchFamily="34" charset="0"/>
                 <a:cs typeface="Times New Roman" panose="02020603050405020304" pitchFamily="18" charset="0"/>
               </a:rPr>
-              <a:t>Facilidade na diagramação de imagens</a:t>
+              <a:t>Facilidade na diagramação de imagens;</a:t>
             </a:r>
           </a:p>
           <a:p>
@@ -6189,7 +6395,7 @@
                 <a:ea typeface="Calibri" panose="020F0502020204030204" pitchFamily="34" charset="0"/>
                 <a:cs typeface="Times New Roman" panose="02020603050405020304" pitchFamily="18" charset="0"/>
               </a:rPr>
-              <a:t>Facilidade na diagramação de tabelas</a:t>
+              <a:t>Facilidade na diagramação de tabelas;</a:t>
             </a:r>
           </a:p>
           <a:p>
@@ -6210,7 +6416,7 @@
                 <a:ea typeface="Calibri" panose="020F0502020204030204" pitchFamily="34" charset="0"/>
                 <a:cs typeface="Times New Roman" panose="02020603050405020304" pitchFamily="18" charset="0"/>
               </a:rPr>
-              <a:t>Tende a ser mais leve</a:t>
+              <a:t>Mais leve e rápido;</a:t>
             </a:r>
           </a:p>
           <a:p>
@@ -6230,14 +6436,8 @@
                 <a:ea typeface="Calibri" panose="020F0502020204030204" pitchFamily="34" charset="0"/>
                 <a:cs typeface="Times New Roman" panose="02020603050405020304" pitchFamily="18" charset="0"/>
               </a:rPr>
-              <a:t>“Lida melhor” com expressões matemáticas</a:t>
-            </a:r>
-            <a:endParaRPr lang="pt-BR" sz="1800" dirty="0">
-              <a:effectLst/>
-              <a:latin typeface="Calibri" panose="020F0502020204030204" pitchFamily="34" charset="0"/>
-              <a:ea typeface="Calibri" panose="020F0502020204030204" pitchFamily="34" charset="0"/>
-              <a:cs typeface="Times New Roman" panose="02020603050405020304" pitchFamily="18" charset="0"/>
-            </a:endParaRPr>
+              <a:t>Fácil inserção e representação de expressões matemáticas.</a:t>
+            </a:r>
           </a:p>
           <a:p>
             <a:pPr marL="342900" indent="-342900">
@@ -6250,12 +6450,30 @@
               <a:buFont typeface="+mj-lt"/>
               <a:buAutoNum type="arabicPeriod"/>
             </a:pPr>
-            <a:endParaRPr lang="pt-BR" sz="1800" dirty="0">
-              <a:effectLst/>
-              <a:latin typeface="Calibri" panose="020F0502020204030204" pitchFamily="34" charset="0"/>
-              <a:ea typeface="Calibri" panose="020F0502020204030204" pitchFamily="34" charset="0"/>
-              <a:cs typeface="Times New Roman" panose="02020603050405020304" pitchFamily="18" charset="0"/>
-            </a:endParaRPr>
+            <a:r>
+              <a:rPr lang="pt-BR" dirty="0">
+                <a:latin typeface="Calibri" panose="020F0502020204030204" pitchFamily="34" charset="0"/>
+                <a:ea typeface="Calibri" panose="020F0502020204030204" pitchFamily="34" charset="0"/>
+                <a:cs typeface="Times New Roman" panose="02020603050405020304" pitchFamily="18" charset="0"/>
+              </a:rPr>
+              <a:t>Open </a:t>
+            </a:r>
+            <a:r>
+              <a:rPr lang="pt-BR" dirty="0" err="1">
+                <a:latin typeface="Calibri" panose="020F0502020204030204" pitchFamily="34" charset="0"/>
+                <a:ea typeface="Calibri" panose="020F0502020204030204" pitchFamily="34" charset="0"/>
+                <a:cs typeface="Times New Roman" panose="02020603050405020304" pitchFamily="18" charset="0"/>
+              </a:rPr>
+              <a:t>Source</a:t>
+            </a:r>
+            <a:r>
+              <a:rPr lang="pt-BR" dirty="0">
+                <a:latin typeface="Calibri" panose="020F0502020204030204" pitchFamily="34" charset="0"/>
+                <a:ea typeface="Calibri" panose="020F0502020204030204" pitchFamily="34" charset="0"/>
+                <a:cs typeface="Times New Roman" panose="02020603050405020304" pitchFamily="18" charset="0"/>
+              </a:rPr>
+              <a:t> (Gratuito);</a:t>
+            </a:r>
           </a:p>
           <a:p>
             <a:pPr marL="342900" indent="-342900">
@@ -6268,37 +6486,15 @@
               <a:buFont typeface="+mj-lt"/>
               <a:buAutoNum type="arabicPeriod"/>
             </a:pPr>
-            <a:endParaRPr lang="pt-BR" sz="1800" dirty="0">
-              <a:effectLst/>
-              <a:latin typeface="Calibri" panose="020F0502020204030204" pitchFamily="34" charset="0"/>
-              <a:ea typeface="Calibri" panose="020F0502020204030204" pitchFamily="34" charset="0"/>
-              <a:cs typeface="Times New Roman" panose="02020603050405020304" pitchFamily="18" charset="0"/>
-            </a:endParaRPr>
-          </a:p>
-          <a:p>
-            <a:pPr marL="342900" indent="-342900">
-              <a:lnSpc>
-                <a:spcPct val="107000"/>
-              </a:lnSpc>
-              <a:spcAft>
-                <a:spcPts val="800"/>
-              </a:spcAft>
-              <a:buFont typeface="+mj-lt"/>
-              <a:buAutoNum type="arabicPeriod"/>
-            </a:pPr>
-            <a:endParaRPr lang="pt-BR" sz="1800" dirty="0">
-              <a:effectLst/>
-              <a:latin typeface="Calibri" panose="020F0502020204030204" pitchFamily="34" charset="0"/>
-              <a:ea typeface="Calibri" panose="020F0502020204030204" pitchFamily="34" charset="0"/>
-              <a:cs typeface="Times New Roman" panose="02020603050405020304" pitchFamily="18" charset="0"/>
-            </a:endParaRPr>
-          </a:p>
-          <a:p>
-            <a:pPr marL="342900" indent="-342900">
-              <a:buFont typeface="+mj-lt"/>
-              <a:buAutoNum type="arabicPeriod"/>
-            </a:pPr>
-            <a:endParaRPr lang="en-US" dirty="0"/>
+            <a:r>
+              <a:rPr lang="pt-BR" sz="1800" dirty="0">
+                <a:effectLst/>
+                <a:latin typeface="Calibri" panose="020F0502020204030204" pitchFamily="34" charset="0"/>
+                <a:ea typeface="Calibri" panose="020F0502020204030204" pitchFamily="34" charset="0"/>
+                <a:cs typeface="Times New Roman" panose="02020603050405020304" pitchFamily="18" charset="0"/>
+              </a:rPr>
+              <a:t>Há milhares de pacotes disponíveis para auxiliar em diversas necessidades.</a:t>
+            </a:r>
           </a:p>
         </p:txBody>
       </p:sp>
@@ -6316,7 +6512,7 @@
 </file>
 
 <file path=ppt/slides/slide5.xml><?xml version="1.0" encoding="utf-8"?>
-<p:sld xmlns:a="http://schemas.openxmlformats.org/drawingml/2006/main" xmlns:r="http://schemas.openxmlformats.org/officeDocument/2006/relationships" xmlns:p="http://schemas.openxmlformats.org/presentationml/2006/main" show="0">
+<p:sld xmlns:a="http://schemas.openxmlformats.org/drawingml/2006/main" xmlns:r="http://schemas.openxmlformats.org/officeDocument/2006/relationships" xmlns:p="http://schemas.openxmlformats.org/presentationml/2006/main">
   <p:cSld>
     <p:spTree>
       <p:nvGrpSpPr>
@@ -6619,7 +6815,7 @@
         <p:spPr>
           <a:xfrm>
             <a:off x="150691" y="1877692"/>
-            <a:ext cx="3662681" cy="646331"/>
+            <a:ext cx="3662681" cy="1200329"/>
           </a:xfrm>
           <a:prstGeom prst="rect">
             <a:avLst/>
@@ -6637,8 +6833,8 @@
               <a:buAutoNum type="arabicPeriod"/>
             </a:pPr>
             <a:r>
-              <a:rPr lang="en-US" dirty="0"/>
-              <a:t> </a:t>
+              <a:rPr lang="pt-BR" dirty="0"/>
+              <a:t>Segmentação dos documentos enviados buscando reconhecimento de padrões;</a:t>
             </a:r>
           </a:p>
           <a:p>
@@ -6801,7 +6997,7 @@
         <p:spPr>
           <a:xfrm>
             <a:off x="4128420" y="1877692"/>
-            <a:ext cx="3662681" cy="2031325"/>
+            <a:ext cx="3662681" cy="1200329"/>
           </a:xfrm>
           <a:prstGeom prst="rect">
             <a:avLst/>
@@ -6820,23 +7016,6 @@
             </a:pPr>
             <a:r>
               <a:rPr lang="pt-BR" dirty="0"/>
-              <a:t>Segmentação dos documentos enviados buscando reconhecimento de padrões;</a:t>
-            </a:r>
-          </a:p>
-          <a:p>
-            <a:pPr marL="342900" indent="-342900">
-              <a:buFont typeface="+mj-lt"/>
-              <a:buAutoNum type="arabicPeriod"/>
-            </a:pPr>
-            <a:endParaRPr lang="pt-BR" dirty="0"/>
-          </a:p>
-          <a:p>
-            <a:pPr marL="342900" indent="-342900">
-              <a:buFont typeface="+mj-lt"/>
-              <a:buAutoNum type="arabicPeriod"/>
-            </a:pPr>
-            <a:r>
-              <a:rPr lang="pt-BR" dirty="0"/>
               <a:t>Reprodução do documento Laudo Pericial Contábil em </a:t>
             </a:r>
             <a:r>
@@ -6845,7 +7024,7 @@
             </a:r>
             <a:r>
               <a:rPr lang="pt-BR" dirty="0"/>
-              <a:t>;</a:t>
+              <a:t> (85%);</a:t>
             </a:r>
           </a:p>
           <a:p>
@@ -7043,383 +7222,6 @@
         <p:spPr>
           <a:xfrm>
             <a:off x="8095813" y="1850612"/>
-            <a:ext cx="3662681" cy="2308324"/>
-          </a:xfrm>
-          <a:prstGeom prst="rect">
-            <a:avLst/>
-          </a:prstGeom>
-          <a:noFill/>
-        </p:spPr>
-        <p:txBody>
-          <a:bodyPr wrap="square">
-            <a:spAutoFit/>
-          </a:bodyPr>
-          <a:lstStyle/>
-          <a:p>
-            <a:pPr marL="342900" indent="-342900">
-              <a:buFont typeface="+mj-lt"/>
-              <a:buAutoNum type="arabicPeriod"/>
-            </a:pPr>
-            <a:r>
-              <a:rPr lang="pt-BR" dirty="0"/>
-              <a:t>Acompanhar a execução do processo;</a:t>
-            </a:r>
-          </a:p>
-          <a:p>
-            <a:pPr marL="342900" indent="-342900">
-              <a:buFont typeface="+mj-lt"/>
-              <a:buAutoNum type="arabicPeriod"/>
-            </a:pPr>
-            <a:endParaRPr lang="pt-BR" dirty="0"/>
-          </a:p>
-          <a:p>
-            <a:pPr marL="342900" indent="-342900">
-              <a:buFont typeface="+mj-lt"/>
-              <a:buAutoNum type="arabicPeriod"/>
-            </a:pPr>
-            <a:r>
-              <a:rPr lang="pt-BR" dirty="0"/>
-              <a:t>Detalhar o processo atual;</a:t>
-            </a:r>
-          </a:p>
-          <a:p>
-            <a:pPr marL="342900" indent="-342900">
-              <a:buFont typeface="+mj-lt"/>
-              <a:buAutoNum type="arabicPeriod"/>
-            </a:pPr>
-            <a:endParaRPr lang="pt-BR" dirty="0"/>
-          </a:p>
-          <a:p>
-            <a:pPr marL="342900" indent="-342900">
-              <a:buFont typeface="+mj-lt"/>
-              <a:buAutoNum type="arabicPeriod"/>
-            </a:pPr>
-            <a:r>
-              <a:rPr lang="pt-BR" dirty="0"/>
-              <a:t>Avaliar vantagens e desvantagens de cada etapa do processo atual;</a:t>
-            </a:r>
-          </a:p>
-          <a:p>
-            <a:pPr marL="342900" indent="-342900">
-              <a:buFont typeface="+mj-lt"/>
-              <a:buAutoNum type="arabicPeriod"/>
-            </a:pPr>
-            <a:endParaRPr lang="en-US" dirty="0"/>
-          </a:p>
-        </p:txBody>
-      </p:sp>
-    </p:spTree>
-    <p:extLst>
-      <p:ext uri="{BB962C8B-B14F-4D97-AF65-F5344CB8AC3E}">
-        <p14:creationId xmlns:p14="http://schemas.microsoft.com/office/powerpoint/2010/main" val="1735219801"/>
-      </p:ext>
-    </p:extLst>
-  </p:cSld>
-  <p:clrMapOvr>
-    <a:masterClrMapping/>
-  </p:clrMapOvr>
-</p:sld>
-</file>
-
-<file path=ppt/slides/slide6.xml><?xml version="1.0" encoding="utf-8"?>
-<p:sld xmlns:a="http://schemas.openxmlformats.org/drawingml/2006/main" xmlns:r="http://schemas.openxmlformats.org/officeDocument/2006/relationships" xmlns:p="http://schemas.openxmlformats.org/presentationml/2006/main">
-  <p:cSld>
-    <p:spTree>
-      <p:nvGrpSpPr>
-        <p:cNvPr id="1" name=""/>
-        <p:cNvGrpSpPr/>
-        <p:nvPr/>
-      </p:nvGrpSpPr>
-      <p:grpSpPr>
-        <a:xfrm>
-          <a:off x="0" y="0"/>
-          <a:ext cx="0" cy="0"/>
-          <a:chOff x="0" y="0"/>
-          <a:chExt cx="0" cy="0"/>
-        </a:xfrm>
-      </p:grpSpPr>
-      <p:sp>
-        <p:nvSpPr>
-          <p:cNvPr id="5" name="CaixaDeTexto 4">
-            <a:extLst>
-              <a:ext uri="{FF2B5EF4-FFF2-40B4-BE49-F238E27FC236}">
-                <a16:creationId xmlns:a16="http://schemas.microsoft.com/office/drawing/2014/main" id="{A9657BD1-C898-4E03-A96F-1DC83627EA57}"/>
-              </a:ext>
-            </a:extLst>
-          </p:cNvPr>
-          <p:cNvSpPr txBox="1"/>
-          <p:nvPr/>
-        </p:nvSpPr>
-        <p:spPr>
-          <a:xfrm>
-            <a:off x="7084879" y="1327394"/>
-            <a:ext cx="1821909" cy="369332"/>
-          </a:xfrm>
-          <a:prstGeom prst="rect">
-            <a:avLst/>
-          </a:prstGeom>
-          <a:noFill/>
-        </p:spPr>
-        <p:txBody>
-          <a:bodyPr wrap="none" rtlCol="0">
-            <a:spAutoFit/>
-          </a:bodyPr>
-          <a:lstStyle/>
-          <a:p>
-            <a:r>
-              <a:rPr lang="pt-BR" b="1" u="sng" dirty="0"/>
-              <a:t>Próximos passos:</a:t>
-            </a:r>
-          </a:p>
-        </p:txBody>
-      </p:sp>
-      <p:sp>
-        <p:nvSpPr>
-          <p:cNvPr id="8" name="CaixaDeTexto 7">
-            <a:extLst>
-              <a:ext uri="{FF2B5EF4-FFF2-40B4-BE49-F238E27FC236}">
-                <a16:creationId xmlns:a16="http://schemas.microsoft.com/office/drawing/2014/main" id="{7E51A5FE-6B0C-42E7-92E4-84280E482E3B}"/>
-              </a:ext>
-            </a:extLst>
-          </p:cNvPr>
-          <p:cNvSpPr txBox="1"/>
-          <p:nvPr/>
-        </p:nvSpPr>
-        <p:spPr>
-          <a:xfrm>
-            <a:off x="6709410" y="1384300"/>
-            <a:ext cx="3423922" cy="646331"/>
-          </a:xfrm>
-          <a:prstGeom prst="rect">
-            <a:avLst/>
-          </a:prstGeom>
-          <a:noFill/>
-        </p:spPr>
-        <p:txBody>
-          <a:bodyPr wrap="square" rtlCol="0">
-            <a:spAutoFit/>
-          </a:bodyPr>
-          <a:lstStyle/>
-          <a:p>
-            <a:pPr marL="342900" indent="-342900">
-              <a:buFont typeface="+mj-lt"/>
-              <a:buAutoNum type="arabicPeriod"/>
-            </a:pPr>
-            <a:endParaRPr lang="pt-BR" dirty="0"/>
-          </a:p>
-          <a:p>
-            <a:endParaRPr lang="pt-BR" dirty="0"/>
-          </a:p>
-        </p:txBody>
-      </p:sp>
-      <p:cxnSp>
-        <p:nvCxnSpPr>
-          <p:cNvPr id="6" name="Conector reto 5">
-            <a:extLst>
-              <a:ext uri="{FF2B5EF4-FFF2-40B4-BE49-F238E27FC236}">
-                <a16:creationId xmlns:a16="http://schemas.microsoft.com/office/drawing/2014/main" id="{D0BC42B9-D839-4884-8A0E-F125EFF38DC7}"/>
-              </a:ext>
-            </a:extLst>
-          </p:cNvPr>
-          <p:cNvCxnSpPr>
-            <a:cxnSpLocks/>
-          </p:cNvCxnSpPr>
-          <p:nvPr/>
-        </p:nvCxnSpPr>
-        <p:spPr>
-          <a:xfrm>
-            <a:off x="217170" y="708660"/>
-            <a:ext cx="11510010" cy="0"/>
-          </a:xfrm>
-          <a:prstGeom prst="line">
-            <a:avLst/>
-          </a:prstGeom>
-          <a:ln>
-            <a:solidFill>
-              <a:srgbClr val="FF0000"/>
-            </a:solidFill>
-          </a:ln>
-        </p:spPr>
-        <p:style>
-          <a:lnRef idx="1">
-            <a:schemeClr val="accent1"/>
-          </a:lnRef>
-          <a:fillRef idx="0">
-            <a:schemeClr val="accent1"/>
-          </a:fillRef>
-          <a:effectRef idx="0">
-            <a:schemeClr val="accent1"/>
-          </a:effectRef>
-          <a:fontRef idx="minor">
-            <a:schemeClr val="tx1"/>
-          </a:fontRef>
-        </p:style>
-      </p:cxnSp>
-      <p:sp>
-        <p:nvSpPr>
-          <p:cNvPr id="9" name="CaixaDeTexto 8">
-            <a:extLst>
-              <a:ext uri="{FF2B5EF4-FFF2-40B4-BE49-F238E27FC236}">
-                <a16:creationId xmlns:a16="http://schemas.microsoft.com/office/drawing/2014/main" id="{618D6885-857B-47C6-BE8A-7189666DC82D}"/>
-              </a:ext>
-            </a:extLst>
-          </p:cNvPr>
-          <p:cNvSpPr txBox="1"/>
-          <p:nvPr/>
-        </p:nvSpPr>
-        <p:spPr>
-          <a:xfrm>
-            <a:off x="217170" y="148590"/>
-            <a:ext cx="5989320" cy="523220"/>
-          </a:xfrm>
-          <a:prstGeom prst="rect">
-            <a:avLst/>
-          </a:prstGeom>
-          <a:noFill/>
-        </p:spPr>
-        <p:txBody>
-          <a:bodyPr wrap="square" rtlCol="0">
-            <a:spAutoFit/>
-          </a:bodyPr>
-          <a:lstStyle/>
-          <a:p>
-            <a:r>
-              <a:rPr lang="pt-BR" sz="2800" dirty="0"/>
-              <a:t>Etapas do processo</a:t>
-            </a:r>
-          </a:p>
-        </p:txBody>
-      </p:sp>
-      <p:sp>
-        <p:nvSpPr>
-          <p:cNvPr id="19" name="Retângulo 18">
-            <a:extLst>
-              <a:ext uri="{FF2B5EF4-FFF2-40B4-BE49-F238E27FC236}">
-                <a16:creationId xmlns:a16="http://schemas.microsoft.com/office/drawing/2014/main" id="{7BFFED98-9D83-4C7B-A73F-D47091FCB0ED}"/>
-              </a:ext>
-            </a:extLst>
-          </p:cNvPr>
-          <p:cNvSpPr/>
-          <p:nvPr/>
-        </p:nvSpPr>
-        <p:spPr>
-          <a:xfrm>
-            <a:off x="1771739" y="1722853"/>
-            <a:ext cx="3662680" cy="4426487"/>
-          </a:xfrm>
-          <a:prstGeom prst="rect">
-            <a:avLst/>
-          </a:prstGeom>
-          <a:solidFill>
-            <a:schemeClr val="accent4">
-              <a:lumMod val="20000"/>
-              <a:lumOff val="80000"/>
-            </a:schemeClr>
-          </a:solidFill>
-        </p:spPr>
-        <p:style>
-          <a:lnRef idx="2">
-            <a:schemeClr val="accent1">
-              <a:shade val="50000"/>
-            </a:schemeClr>
-          </a:lnRef>
-          <a:fillRef idx="1">
-            <a:schemeClr val="accent1"/>
-          </a:fillRef>
-          <a:effectRef idx="0">
-            <a:schemeClr val="accent1"/>
-          </a:effectRef>
-          <a:fontRef idx="minor">
-            <a:schemeClr val="lt1"/>
-          </a:fontRef>
-        </p:style>
-        <p:txBody>
-          <a:bodyPr rtlCol="0" anchor="ctr"/>
-          <a:lstStyle/>
-          <a:p>
-            <a:pPr algn="ctr"/>
-            <a:endParaRPr lang="en-US" dirty="0">
-              <a:solidFill>
-                <a:schemeClr val="tx1"/>
-              </a:solidFill>
-            </a:endParaRPr>
-          </a:p>
-        </p:txBody>
-      </p:sp>
-      <p:sp>
-        <p:nvSpPr>
-          <p:cNvPr id="20" name="Retângulo 19">
-            <a:extLst>
-              <a:ext uri="{FF2B5EF4-FFF2-40B4-BE49-F238E27FC236}">
-                <a16:creationId xmlns:a16="http://schemas.microsoft.com/office/drawing/2014/main" id="{9497121D-519F-452D-8FE3-80AF7C709B89}"/>
-              </a:ext>
-            </a:extLst>
-          </p:cNvPr>
-          <p:cNvSpPr/>
-          <p:nvPr/>
-        </p:nvSpPr>
-        <p:spPr>
-          <a:xfrm>
-            <a:off x="1776581" y="1199635"/>
-            <a:ext cx="3657838" cy="523218"/>
-          </a:xfrm>
-          <a:prstGeom prst="rect">
-            <a:avLst/>
-          </a:prstGeom>
-          <a:solidFill>
-            <a:schemeClr val="accent4">
-              <a:lumMod val="60000"/>
-              <a:lumOff val="40000"/>
-            </a:schemeClr>
-          </a:solidFill>
-        </p:spPr>
-        <p:style>
-          <a:lnRef idx="2">
-            <a:schemeClr val="accent1">
-              <a:shade val="50000"/>
-            </a:schemeClr>
-          </a:lnRef>
-          <a:fillRef idx="1">
-            <a:schemeClr val="accent1"/>
-          </a:fillRef>
-          <a:effectRef idx="0">
-            <a:schemeClr val="accent1"/>
-          </a:effectRef>
-          <a:fontRef idx="minor">
-            <a:schemeClr val="lt1"/>
-          </a:fontRef>
-        </p:style>
-        <p:txBody>
-          <a:bodyPr rtlCol="0" anchor="ctr"/>
-          <a:lstStyle/>
-          <a:p>
-            <a:pPr algn="ctr"/>
-            <a:r>
-              <a:rPr lang="pt-BR" sz="2000" b="1" dirty="0">
-                <a:solidFill>
-                  <a:schemeClr val="tx1"/>
-                </a:solidFill>
-              </a:rPr>
-              <a:t>Em desenvolvimento</a:t>
-            </a:r>
-          </a:p>
-        </p:txBody>
-      </p:sp>
-      <p:sp>
-        <p:nvSpPr>
-          <p:cNvPr id="21" name="CaixaDeTexto 20">
-            <a:extLst>
-              <a:ext uri="{FF2B5EF4-FFF2-40B4-BE49-F238E27FC236}">
-                <a16:creationId xmlns:a16="http://schemas.microsoft.com/office/drawing/2014/main" id="{E5840FED-3F3D-4DD4-B6C7-B6A764EC6369}"/>
-              </a:ext>
-            </a:extLst>
-          </p:cNvPr>
-          <p:cNvSpPr txBox="1"/>
-          <p:nvPr/>
-        </p:nvSpPr>
-        <p:spPr>
-          <a:xfrm>
-            <a:off x="1773840" y="1877692"/>
             <a:ext cx="3662681" cy="2031325"/>
           </a:xfrm>
           <a:prstGeom prst="rect">
@@ -7439,11 +7241,11 @@
             </a:pPr>
             <a:r>
               <a:rPr lang="pt-BR" dirty="0"/>
-              <a:t>Reprodução do documento Laudo Pericial Contábil em </a:t>
+              <a:t>Avaliar e eliminar alertas no </a:t>
             </a:r>
             <a:r>
               <a:rPr lang="pt-BR" dirty="0" err="1"/>
-              <a:t>LaTex</a:t>
+              <a:t>Overleaf</a:t>
             </a:r>
             <a:r>
               <a:rPr lang="pt-BR" dirty="0"/>
@@ -7464,7 +7266,7 @@
             </a:pPr>
             <a:r>
               <a:rPr lang="pt-BR" dirty="0"/>
-              <a:t>Segmentação dos documentos enviados buscando reconhecimento de padrões;</a:t>
+              <a:t>Acompanhar a execução do processo;</a:t>
             </a:r>
           </a:p>
           <a:p>
@@ -7474,185 +7276,6 @@
             </a:pPr>
             <a:endParaRPr lang="pt-BR" dirty="0"/>
           </a:p>
-        </p:txBody>
-      </p:sp>
-      <p:sp>
-        <p:nvSpPr>
-          <p:cNvPr id="22" name="CaixaDeTexto 21">
-            <a:extLst>
-              <a:ext uri="{FF2B5EF4-FFF2-40B4-BE49-F238E27FC236}">
-                <a16:creationId xmlns:a16="http://schemas.microsoft.com/office/drawing/2014/main" id="{42CA5F21-1318-47B3-928A-892D37EEF532}"/>
-              </a:ext>
-            </a:extLst>
-          </p:cNvPr>
-          <p:cNvSpPr txBox="1"/>
-          <p:nvPr/>
-        </p:nvSpPr>
-        <p:spPr>
-          <a:xfrm>
-            <a:off x="8083099" y="1326441"/>
-            <a:ext cx="1821909" cy="369332"/>
-          </a:xfrm>
-          <a:prstGeom prst="rect">
-            <a:avLst/>
-          </a:prstGeom>
-          <a:noFill/>
-        </p:spPr>
-        <p:txBody>
-          <a:bodyPr wrap="none" rtlCol="0">
-            <a:spAutoFit/>
-          </a:bodyPr>
-          <a:lstStyle/>
-          <a:p>
-            <a:r>
-              <a:rPr lang="pt-BR" b="1" u="sng" dirty="0"/>
-              <a:t>Próximos passos:</a:t>
-            </a:r>
-          </a:p>
-        </p:txBody>
-      </p:sp>
-      <p:sp>
-        <p:nvSpPr>
-          <p:cNvPr id="23" name="Retângulo 22">
-            <a:extLst>
-              <a:ext uri="{FF2B5EF4-FFF2-40B4-BE49-F238E27FC236}">
-                <a16:creationId xmlns:a16="http://schemas.microsoft.com/office/drawing/2014/main" id="{C526F3CB-4E6B-4F1A-83C4-098DA07D5FFF}"/>
-              </a:ext>
-            </a:extLst>
-          </p:cNvPr>
-          <p:cNvSpPr/>
-          <p:nvPr/>
-        </p:nvSpPr>
-        <p:spPr>
-          <a:xfrm>
-            <a:off x="6485830" y="1695773"/>
-            <a:ext cx="3647502" cy="4426487"/>
-          </a:xfrm>
-          <a:prstGeom prst="rect">
-            <a:avLst/>
-          </a:prstGeom>
-          <a:solidFill>
-            <a:schemeClr val="accent5">
-              <a:lumMod val="20000"/>
-              <a:lumOff val="80000"/>
-            </a:schemeClr>
-          </a:solidFill>
-        </p:spPr>
-        <p:style>
-          <a:lnRef idx="2">
-            <a:schemeClr val="accent1">
-              <a:shade val="50000"/>
-            </a:schemeClr>
-          </a:lnRef>
-          <a:fillRef idx="1">
-            <a:schemeClr val="accent1"/>
-          </a:fillRef>
-          <a:effectRef idx="0">
-            <a:schemeClr val="accent1"/>
-          </a:effectRef>
-          <a:fontRef idx="minor">
-            <a:schemeClr val="lt1"/>
-          </a:fontRef>
-        </p:style>
-        <p:txBody>
-          <a:bodyPr rtlCol="0" anchor="ctr"/>
-          <a:lstStyle/>
-          <a:p>
-            <a:pPr algn="ctr"/>
-            <a:endParaRPr lang="en-US" dirty="0">
-              <a:solidFill>
-                <a:schemeClr val="tx1"/>
-              </a:solidFill>
-            </a:endParaRPr>
-          </a:p>
-        </p:txBody>
-      </p:sp>
-      <p:sp>
-        <p:nvSpPr>
-          <p:cNvPr id="24" name="Retângulo 23">
-            <a:extLst>
-              <a:ext uri="{FF2B5EF4-FFF2-40B4-BE49-F238E27FC236}">
-                <a16:creationId xmlns:a16="http://schemas.microsoft.com/office/drawing/2014/main" id="{9CEEADA0-149D-44C7-8DF5-065812599296}"/>
-              </a:ext>
-            </a:extLst>
-          </p:cNvPr>
-          <p:cNvSpPr/>
-          <p:nvPr/>
-        </p:nvSpPr>
-        <p:spPr>
-          <a:xfrm>
-            <a:off x="6475494" y="1172555"/>
-            <a:ext cx="3657838" cy="523218"/>
-          </a:xfrm>
-          <a:prstGeom prst="rect">
-            <a:avLst/>
-          </a:prstGeom>
-          <a:solidFill>
-            <a:schemeClr val="accent5">
-              <a:lumMod val="60000"/>
-              <a:lumOff val="40000"/>
-            </a:schemeClr>
-          </a:solidFill>
-        </p:spPr>
-        <p:style>
-          <a:lnRef idx="2">
-            <a:schemeClr val="accent1">
-              <a:shade val="50000"/>
-            </a:schemeClr>
-          </a:lnRef>
-          <a:fillRef idx="1">
-            <a:schemeClr val="accent1"/>
-          </a:fillRef>
-          <a:effectRef idx="0">
-            <a:schemeClr val="accent1"/>
-          </a:effectRef>
-          <a:fontRef idx="minor">
-            <a:schemeClr val="lt1"/>
-          </a:fontRef>
-        </p:style>
-        <p:txBody>
-          <a:bodyPr rtlCol="0" anchor="ctr"/>
-          <a:lstStyle/>
-          <a:p>
-            <a:pPr algn="ctr"/>
-            <a:r>
-              <a:rPr lang="pt-BR" sz="2000" b="1" dirty="0">
-                <a:solidFill>
-                  <a:schemeClr val="tx1"/>
-                </a:solidFill>
-              </a:rPr>
-              <a:t>Próximos passos</a:t>
-            </a:r>
-          </a:p>
-        </p:txBody>
-      </p:sp>
-      <p:sp>
-        <p:nvSpPr>
-          <p:cNvPr id="25" name="CaixaDeTexto 24">
-            <a:extLst>
-              <a:ext uri="{FF2B5EF4-FFF2-40B4-BE49-F238E27FC236}">
-                <a16:creationId xmlns:a16="http://schemas.microsoft.com/office/drawing/2014/main" id="{4A551D6E-ABDF-4D70-A7FA-91C10B61E484}"/>
-              </a:ext>
-            </a:extLst>
-          </p:cNvPr>
-          <p:cNvSpPr txBox="1"/>
-          <p:nvPr/>
-        </p:nvSpPr>
-        <p:spPr>
-          <a:xfrm>
-            <a:off x="6472753" y="1850612"/>
-            <a:ext cx="3662681" cy="2308324"/>
-          </a:xfrm>
-          <a:prstGeom prst="rect">
-            <a:avLst/>
-          </a:prstGeom>
-          <a:noFill/>
-        </p:spPr>
-        <p:txBody>
-          <a:bodyPr wrap="square">
-            <a:spAutoFit/>
-          </a:bodyPr>
-          <a:lstStyle/>
           <a:p>
             <a:pPr marL="342900" indent="-342900">
               <a:buFont typeface="+mj-lt"/>
@@ -7660,48 +7283,8 @@
             </a:pPr>
             <a:r>
               <a:rPr lang="pt-BR" dirty="0"/>
-              <a:t>Acompanhar a execução do processo;</a:t>
-            </a:r>
-          </a:p>
-          <a:p>
-            <a:pPr marL="342900" indent="-342900">
-              <a:buFont typeface="+mj-lt"/>
-              <a:buAutoNum type="arabicPeriod"/>
-            </a:pPr>
-            <a:endParaRPr lang="pt-BR" dirty="0"/>
-          </a:p>
-          <a:p>
-            <a:pPr marL="342900" indent="-342900">
-              <a:buFont typeface="+mj-lt"/>
-              <a:buAutoNum type="arabicPeriod"/>
-            </a:pPr>
-            <a:r>
-              <a:rPr lang="pt-BR" dirty="0"/>
               <a:t>Detalhar o processo atual;</a:t>
             </a:r>
-          </a:p>
-          <a:p>
-            <a:pPr marL="342900" indent="-342900">
-              <a:buFont typeface="+mj-lt"/>
-              <a:buAutoNum type="arabicPeriod"/>
-            </a:pPr>
-            <a:endParaRPr lang="pt-BR" dirty="0"/>
-          </a:p>
-          <a:p>
-            <a:pPr marL="342900" indent="-342900">
-              <a:buFont typeface="+mj-lt"/>
-              <a:buAutoNum type="arabicPeriod"/>
-            </a:pPr>
-            <a:r>
-              <a:rPr lang="pt-BR" dirty="0"/>
-              <a:t>Avaliar vantagens e desvantagens de cada etapa do processo atual;</a:t>
-            </a:r>
-          </a:p>
-          <a:p>
-            <a:pPr marL="342900" indent="-342900">
-              <a:buFont typeface="+mj-lt"/>
-              <a:buAutoNum type="arabicPeriod"/>
-            </a:pPr>
             <a:endParaRPr lang="en-US" dirty="0"/>
           </a:p>
         </p:txBody>
@@ -7709,7 +7292,7 @@
     </p:spTree>
     <p:extLst>
       <p:ext uri="{BB962C8B-B14F-4D97-AF65-F5344CB8AC3E}">
-        <p14:creationId xmlns:p14="http://schemas.microsoft.com/office/powerpoint/2010/main" val="2596496189"/>
+        <p14:creationId xmlns:p14="http://schemas.microsoft.com/office/powerpoint/2010/main" val="1735219801"/>
       </p:ext>
     </p:extLst>
   </p:cSld>
